--- a/Brooch/drafts/修改意见.pptx
+++ b/Brooch/drafts/修改意见.pptx
@@ -211,7 +211,7 @@
           <a:p>
             <a:fld id="{1C49CE54-3C97-4182-95CC-76F986937645}" type="datetimeFigureOut">
               <a:rPr lang="zh-CN" altLang="en-US" smtClean="0"/>
-              <a:t>22/9/25 Sun</a:t>
+              <a:t>22/10/9 Sun</a:t>
             </a:fld>
             <a:endParaRPr lang="zh-CN" altLang="en-US"/>
           </a:p>
@@ -793,7 +793,7 @@
           <a:p>
             <a:fld id="{B65FFB70-F8CA-4E3E-9BCC-23E3F678B883}" type="datetimeFigureOut">
               <a:rPr lang="zh-CN" altLang="en-US" smtClean="0"/>
-              <a:t>22/9/25 Sun</a:t>
+              <a:t>22/10/9 Sun</a:t>
             </a:fld>
             <a:endParaRPr lang="zh-CN" altLang="en-US"/>
           </a:p>
@@ -991,7 +991,7 @@
           <a:p>
             <a:fld id="{B65FFB70-F8CA-4E3E-9BCC-23E3F678B883}" type="datetimeFigureOut">
               <a:rPr lang="zh-CN" altLang="en-US" smtClean="0"/>
-              <a:t>22/9/25 Sun</a:t>
+              <a:t>22/10/9 Sun</a:t>
             </a:fld>
             <a:endParaRPr lang="zh-CN" altLang="en-US"/>
           </a:p>
@@ -1199,7 +1199,7 @@
           <a:p>
             <a:fld id="{B65FFB70-F8CA-4E3E-9BCC-23E3F678B883}" type="datetimeFigureOut">
               <a:rPr lang="zh-CN" altLang="en-US" smtClean="0"/>
-              <a:t>22/9/25 Sun</a:t>
+              <a:t>22/10/9 Sun</a:t>
             </a:fld>
             <a:endParaRPr lang="zh-CN" altLang="en-US"/>
           </a:p>
@@ -1397,7 +1397,7 @@
           <a:p>
             <a:fld id="{B65FFB70-F8CA-4E3E-9BCC-23E3F678B883}" type="datetimeFigureOut">
               <a:rPr lang="zh-CN" altLang="en-US" smtClean="0"/>
-              <a:t>22/9/25 Sun</a:t>
+              <a:t>22/10/9 Sun</a:t>
             </a:fld>
             <a:endParaRPr lang="zh-CN" altLang="en-US"/>
           </a:p>
@@ -1672,7 +1672,7 @@
           <a:p>
             <a:fld id="{B65FFB70-F8CA-4E3E-9BCC-23E3F678B883}" type="datetimeFigureOut">
               <a:rPr lang="zh-CN" altLang="en-US" smtClean="0"/>
-              <a:t>22/9/25 Sun</a:t>
+              <a:t>22/10/9 Sun</a:t>
             </a:fld>
             <a:endParaRPr lang="zh-CN" altLang="en-US"/>
           </a:p>
@@ -1937,7 +1937,7 @@
           <a:p>
             <a:fld id="{B65FFB70-F8CA-4E3E-9BCC-23E3F678B883}" type="datetimeFigureOut">
               <a:rPr lang="zh-CN" altLang="en-US" smtClean="0"/>
-              <a:t>22/9/25 Sun</a:t>
+              <a:t>22/10/9 Sun</a:t>
             </a:fld>
             <a:endParaRPr lang="zh-CN" altLang="en-US"/>
           </a:p>
@@ -2349,7 +2349,7 @@
           <a:p>
             <a:fld id="{B65FFB70-F8CA-4E3E-9BCC-23E3F678B883}" type="datetimeFigureOut">
               <a:rPr lang="zh-CN" altLang="en-US" smtClean="0"/>
-              <a:t>22/9/25 Sun</a:t>
+              <a:t>22/10/9 Sun</a:t>
             </a:fld>
             <a:endParaRPr lang="zh-CN" altLang="en-US"/>
           </a:p>
@@ -2490,7 +2490,7 @@
           <a:p>
             <a:fld id="{B65FFB70-F8CA-4E3E-9BCC-23E3F678B883}" type="datetimeFigureOut">
               <a:rPr lang="zh-CN" altLang="en-US" smtClean="0"/>
-              <a:t>22/9/25 Sun</a:t>
+              <a:t>22/10/9 Sun</a:t>
             </a:fld>
             <a:endParaRPr lang="zh-CN" altLang="en-US"/>
           </a:p>
@@ -2603,7 +2603,7 @@
           <a:p>
             <a:fld id="{B65FFB70-F8CA-4E3E-9BCC-23E3F678B883}" type="datetimeFigureOut">
               <a:rPr lang="zh-CN" altLang="en-US" smtClean="0"/>
-              <a:t>22/9/25 Sun</a:t>
+              <a:t>22/10/9 Sun</a:t>
             </a:fld>
             <a:endParaRPr lang="zh-CN" altLang="en-US"/>
           </a:p>
@@ -2914,7 +2914,7 @@
           <a:p>
             <a:fld id="{B65FFB70-F8CA-4E3E-9BCC-23E3F678B883}" type="datetimeFigureOut">
               <a:rPr lang="zh-CN" altLang="en-US" smtClean="0"/>
-              <a:t>22/9/25 Sun</a:t>
+              <a:t>22/10/9 Sun</a:t>
             </a:fld>
             <a:endParaRPr lang="zh-CN" altLang="en-US"/>
           </a:p>
@@ -3202,7 +3202,7 @@
           <a:p>
             <a:fld id="{B65FFB70-F8CA-4E3E-9BCC-23E3F678B883}" type="datetimeFigureOut">
               <a:rPr lang="zh-CN" altLang="en-US" smtClean="0"/>
-              <a:t>22/9/25 Sun</a:t>
+              <a:t>22/10/9 Sun</a:t>
             </a:fld>
             <a:endParaRPr lang="zh-CN" altLang="en-US"/>
           </a:p>
@@ -3443,7 +3443,7 @@
           <a:p>
             <a:fld id="{B65FFB70-F8CA-4E3E-9BCC-23E3F678B883}" type="datetimeFigureOut">
               <a:rPr lang="zh-CN" altLang="en-US" smtClean="0"/>
-              <a:t>22/9/25 Sun</a:t>
+              <a:t>22/10/9 Sun</a:t>
             </a:fld>
             <a:endParaRPr lang="zh-CN" altLang="en-US"/>
           </a:p>
@@ -7254,15 +7254,7 @@
             </a:r>
             <a:r>
               <a:rPr lang="zh-CN" altLang="en-US" dirty="0"/>
-              <a:t>十字棱</a:t>
-            </a:r>
-            <a:r>
-              <a:rPr lang="zh-CN" altLang="en-US"/>
-              <a:t>效果。别忘了四</a:t>
-            </a:r>
-            <a:r>
-              <a:rPr lang="zh-CN" altLang="en-US" dirty="0"/>
-              <a:t>爪面积减小，可与其他结构形成合理黄金分割。</a:t>
+              <a:t>一线棱效果。别忘了四爪面积减小，可与其他结构形成合理黄金分割。</a:t>
             </a:r>
             <a:endParaRPr lang="en-US" altLang="zh-CN" dirty="0"/>
           </a:p>
@@ -7312,10 +7304,10 @@
       </p:cxnSp>
       <p:cxnSp>
         <p:nvCxnSpPr>
-          <p:cNvPr id="13" name="直接连接符 12">
-            <a:extLst>
-              <a:ext uri="{FF2B5EF4-FFF2-40B4-BE49-F238E27FC236}">
-                <a16:creationId xmlns:a16="http://schemas.microsoft.com/office/drawing/2014/main" id="{346C2593-02C6-4E4F-A0A6-0CFE633781ED}"/>
+          <p:cNvPr id="34" name="直接连接符 33">
+            <a:extLst>
+              <a:ext uri="{FF2B5EF4-FFF2-40B4-BE49-F238E27FC236}">
+                <a16:creationId xmlns:a16="http://schemas.microsoft.com/office/drawing/2014/main" id="{F48FB8D2-917C-4C50-BE6C-B0A634D49BEF}"/>
               </a:ext>
             </a:extLst>
           </p:cNvPr>
@@ -7325,47 +7317,9 @@
           <p:nvPr/>
         </p:nvCxnSpPr>
         <p:spPr>
-          <a:xfrm flipV="1">
-            <a:off x="2007909" y="1857080"/>
-            <a:ext cx="263951" cy="414780"/>
-          </a:xfrm>
-          <a:prstGeom prst="line">
-            <a:avLst/>
-          </a:prstGeom>
-        </p:spPr>
-        <p:style>
-          <a:lnRef idx="1">
-            <a:schemeClr val="accent2"/>
-          </a:lnRef>
-          <a:fillRef idx="0">
-            <a:schemeClr val="accent2"/>
-          </a:fillRef>
-          <a:effectRef idx="0">
-            <a:schemeClr val="accent2"/>
-          </a:effectRef>
-          <a:fontRef idx="minor">
-            <a:schemeClr val="tx1"/>
-          </a:fontRef>
-        </p:style>
-      </p:cxnSp>
-      <p:cxnSp>
-        <p:nvCxnSpPr>
-          <p:cNvPr id="34" name="直接连接符 33">
-            <a:extLst>
-              <a:ext uri="{FF2B5EF4-FFF2-40B4-BE49-F238E27FC236}">
-                <a16:creationId xmlns:a16="http://schemas.microsoft.com/office/drawing/2014/main" id="{F48FB8D2-917C-4C50-BE6C-B0A634D49BEF}"/>
-              </a:ext>
-            </a:extLst>
-          </p:cNvPr>
-          <p:cNvCxnSpPr>
-            <a:cxnSpLocks/>
-          </p:cNvCxnSpPr>
-          <p:nvPr/>
-        </p:nvCxnSpPr>
-        <p:spPr>
-          <a:xfrm>
-            <a:off x="1651386" y="1781666"/>
-            <a:ext cx="799583" cy="433633"/>
+          <a:xfrm>
+            <a:off x="1651386" y="1742142"/>
+            <a:ext cx="775808" cy="476623"/>
           </a:xfrm>
           <a:prstGeom prst="line">
             <a:avLst/>
@@ -7590,6 +7544,44 @@
           </a:p>
         </p:txBody>
       </p:sp>
+      <p:cxnSp>
+        <p:nvCxnSpPr>
+          <p:cNvPr id="31" name="直接连接符 30">
+            <a:extLst>
+              <a:ext uri="{FF2B5EF4-FFF2-40B4-BE49-F238E27FC236}">
+                <a16:creationId xmlns:a16="http://schemas.microsoft.com/office/drawing/2014/main" id="{578CCA67-BF3B-41D1-A876-BD7173622217}"/>
+              </a:ext>
+            </a:extLst>
+          </p:cNvPr>
+          <p:cNvCxnSpPr>
+            <a:cxnSpLocks/>
+          </p:cNvCxnSpPr>
+          <p:nvPr/>
+        </p:nvCxnSpPr>
+        <p:spPr>
+          <a:xfrm flipH="1">
+            <a:off x="3025588" y="3832412"/>
+            <a:ext cx="6724" cy="1734670"/>
+          </a:xfrm>
+          <a:prstGeom prst="line">
+            <a:avLst/>
+          </a:prstGeom>
+        </p:spPr>
+        <p:style>
+          <a:lnRef idx="1">
+            <a:schemeClr val="accent2"/>
+          </a:lnRef>
+          <a:fillRef idx="0">
+            <a:schemeClr val="accent2"/>
+          </a:fillRef>
+          <a:effectRef idx="0">
+            <a:schemeClr val="accent2"/>
+          </a:effectRef>
+          <a:fontRef idx="minor">
+            <a:schemeClr val="tx1"/>
+          </a:fontRef>
+        </p:style>
+      </p:cxnSp>
     </p:spTree>
     <p:extLst>
       <p:ext uri="{BB962C8B-B14F-4D97-AF65-F5344CB8AC3E}">
